--- a/ppt 16-9/1298.耶路撒冷众儿.pptx
+++ b/ppt 16-9/1298.耶路撒冷众儿.pptx
@@ -129,7 +129,7 @@
           <p:cNvPr id="2" name="标题 1">
             <a:extLst>
               <a:ext uri="{FF2B5EF4-FFF2-40B4-BE49-F238E27FC236}">
-                <a16:creationId xmlns:a16="http://schemas.microsoft.com/office/drawing/2014/main" id="{6264F238-0B57-089A-D439-28893DF341DA}"/>
+                <a16:creationId xmlns:a16="http://schemas.microsoft.com/office/drawing/2014/main" id="{4B4AE219-41B0-38D6-9153-217E0DF9A5E1}"/>
               </a:ext>
             </a:extLst>
           </p:cNvPr>
@@ -166,7 +166,7 @@
           <p:cNvPr id="3" name="副标题 2">
             <a:extLst>
               <a:ext uri="{FF2B5EF4-FFF2-40B4-BE49-F238E27FC236}">
-                <a16:creationId xmlns:a16="http://schemas.microsoft.com/office/drawing/2014/main" id="{7A6BFB71-FBA8-4E90-89F9-1B359FC320B2}"/>
+                <a16:creationId xmlns:a16="http://schemas.microsoft.com/office/drawing/2014/main" id="{B1F2F9B2-BCA9-19FD-0CC0-896287BD94B6}"/>
               </a:ext>
             </a:extLst>
           </p:cNvPr>
@@ -236,7 +236,7 @@
           <p:cNvPr id="4" name="日期占位符 3">
             <a:extLst>
               <a:ext uri="{FF2B5EF4-FFF2-40B4-BE49-F238E27FC236}">
-                <a16:creationId xmlns:a16="http://schemas.microsoft.com/office/drawing/2014/main" id="{F7897FCA-32FC-B5D6-48D0-05FF7A2746F4}"/>
+                <a16:creationId xmlns:a16="http://schemas.microsoft.com/office/drawing/2014/main" id="{9FB89D1C-ADE8-B175-29A1-4F1219F7BEFA}"/>
               </a:ext>
             </a:extLst>
           </p:cNvPr>
@@ -252,7 +252,7 @@
           <a:bodyPr/>
           <a:lstStyle/>
           <a:p>
-            <a:fld id="{F00BA27E-71B2-4CDB-AA19-F91EECC6A788}" type="datetimeFigureOut">
+            <a:fld id="{0F465E66-C93D-4C18-9401-28980BFAFA21}" type="datetimeFigureOut">
               <a:rPr lang="zh-CN" altLang="en-US" smtClean="0"/>
               <a:t>2024/3/10</a:t>
             </a:fld>
@@ -265,7 +265,7 @@
           <p:cNvPr id="5" name="页脚占位符 4">
             <a:extLst>
               <a:ext uri="{FF2B5EF4-FFF2-40B4-BE49-F238E27FC236}">
-                <a16:creationId xmlns:a16="http://schemas.microsoft.com/office/drawing/2014/main" id="{BA274C44-8CDF-0136-016E-4DE3C272CB52}"/>
+                <a16:creationId xmlns:a16="http://schemas.microsoft.com/office/drawing/2014/main" id="{D5638C53-BB3C-CE43-EABB-EBAAA4D1B7E7}"/>
               </a:ext>
             </a:extLst>
           </p:cNvPr>
@@ -290,7 +290,7 @@
           <p:cNvPr id="6" name="灯片编号占位符 5">
             <a:extLst>
               <a:ext uri="{FF2B5EF4-FFF2-40B4-BE49-F238E27FC236}">
-                <a16:creationId xmlns:a16="http://schemas.microsoft.com/office/drawing/2014/main" id="{089812CE-4874-754D-64EB-6CB51AEC7C77}"/>
+                <a16:creationId xmlns:a16="http://schemas.microsoft.com/office/drawing/2014/main" id="{C626AF68-7D69-B402-0103-9937537B664A}"/>
               </a:ext>
             </a:extLst>
           </p:cNvPr>
@@ -306,7 +306,7 @@
           <a:bodyPr/>
           <a:lstStyle/>
           <a:p>
-            <a:fld id="{A7B887B9-9FD2-426E-A50C-E263711BE1EC}" type="slidenum">
+            <a:fld id="{AE7467CF-0D85-42B7-9B30-C3DDB06A560C}" type="slidenum">
               <a:rPr lang="zh-CN" altLang="en-US" smtClean="0"/>
               <a:t>‹#›</a:t>
             </a:fld>
@@ -317,7 +317,7 @@
     </p:spTree>
     <p:extLst>
       <p:ext uri="{BB962C8B-B14F-4D97-AF65-F5344CB8AC3E}">
-        <p14:creationId xmlns:p14="http://schemas.microsoft.com/office/powerpoint/2010/main" val="2635321084"/>
+        <p14:creationId xmlns:p14="http://schemas.microsoft.com/office/powerpoint/2010/main" val="67205818"/>
       </p:ext>
     </p:extLst>
   </p:cSld>
@@ -349,7 +349,7 @@
           <p:cNvPr id="2" name="标题 1">
             <a:extLst>
               <a:ext uri="{FF2B5EF4-FFF2-40B4-BE49-F238E27FC236}">
-                <a16:creationId xmlns:a16="http://schemas.microsoft.com/office/drawing/2014/main" id="{4495147D-3546-3601-6116-A46F09ECA21F}"/>
+                <a16:creationId xmlns:a16="http://schemas.microsoft.com/office/drawing/2014/main" id="{FCCE0F42-E6DE-0793-16A7-8ACB75B243A1}"/>
               </a:ext>
             </a:extLst>
           </p:cNvPr>
@@ -377,7 +377,7 @@
           <p:cNvPr id="3" name="竖排文字占位符 2">
             <a:extLst>
               <a:ext uri="{FF2B5EF4-FFF2-40B4-BE49-F238E27FC236}">
-                <a16:creationId xmlns:a16="http://schemas.microsoft.com/office/drawing/2014/main" id="{96278F99-BAAA-51F3-3FFC-4792B7CF718A}"/>
+                <a16:creationId xmlns:a16="http://schemas.microsoft.com/office/drawing/2014/main" id="{1D8A9143-3E75-FAC0-E963-8E841027ED18}"/>
               </a:ext>
             </a:extLst>
           </p:cNvPr>
@@ -434,7 +434,7 @@
           <p:cNvPr id="4" name="日期占位符 3">
             <a:extLst>
               <a:ext uri="{FF2B5EF4-FFF2-40B4-BE49-F238E27FC236}">
-                <a16:creationId xmlns:a16="http://schemas.microsoft.com/office/drawing/2014/main" id="{1446C2DA-E446-8D05-13EB-45032F27C0C1}"/>
+                <a16:creationId xmlns:a16="http://schemas.microsoft.com/office/drawing/2014/main" id="{C54B7AA7-8870-76A7-5E90-E25CEED0EF23}"/>
               </a:ext>
             </a:extLst>
           </p:cNvPr>
@@ -450,7 +450,7 @@
           <a:bodyPr/>
           <a:lstStyle/>
           <a:p>
-            <a:fld id="{F00BA27E-71B2-4CDB-AA19-F91EECC6A788}" type="datetimeFigureOut">
+            <a:fld id="{0F465E66-C93D-4C18-9401-28980BFAFA21}" type="datetimeFigureOut">
               <a:rPr lang="zh-CN" altLang="en-US" smtClean="0"/>
               <a:t>2024/3/10</a:t>
             </a:fld>
@@ -463,7 +463,7 @@
           <p:cNvPr id="5" name="页脚占位符 4">
             <a:extLst>
               <a:ext uri="{FF2B5EF4-FFF2-40B4-BE49-F238E27FC236}">
-                <a16:creationId xmlns:a16="http://schemas.microsoft.com/office/drawing/2014/main" id="{A7FD2B50-535A-8057-D30C-A5310136F1BA}"/>
+                <a16:creationId xmlns:a16="http://schemas.microsoft.com/office/drawing/2014/main" id="{19290880-8E38-E6B9-0560-1C52D9E7ED7F}"/>
               </a:ext>
             </a:extLst>
           </p:cNvPr>
@@ -488,7 +488,7 @@
           <p:cNvPr id="6" name="灯片编号占位符 5">
             <a:extLst>
               <a:ext uri="{FF2B5EF4-FFF2-40B4-BE49-F238E27FC236}">
-                <a16:creationId xmlns:a16="http://schemas.microsoft.com/office/drawing/2014/main" id="{A4649877-519B-9B80-EBAD-DC7E7EF96167}"/>
+                <a16:creationId xmlns:a16="http://schemas.microsoft.com/office/drawing/2014/main" id="{DF8CB60A-08C0-597F-B743-30D816CD35F0}"/>
               </a:ext>
             </a:extLst>
           </p:cNvPr>
@@ -504,7 +504,7 @@
           <a:bodyPr/>
           <a:lstStyle/>
           <a:p>
-            <a:fld id="{A7B887B9-9FD2-426E-A50C-E263711BE1EC}" type="slidenum">
+            <a:fld id="{AE7467CF-0D85-42B7-9B30-C3DDB06A560C}" type="slidenum">
               <a:rPr lang="zh-CN" altLang="en-US" smtClean="0"/>
               <a:t>‹#›</a:t>
             </a:fld>
@@ -515,7 +515,7 @@
     </p:spTree>
     <p:extLst>
       <p:ext uri="{BB962C8B-B14F-4D97-AF65-F5344CB8AC3E}">
-        <p14:creationId xmlns:p14="http://schemas.microsoft.com/office/powerpoint/2010/main" val="2877749161"/>
+        <p14:creationId xmlns:p14="http://schemas.microsoft.com/office/powerpoint/2010/main" val="4004003009"/>
       </p:ext>
     </p:extLst>
   </p:cSld>
@@ -547,7 +547,7 @@
           <p:cNvPr id="2" name="竖排标题 1">
             <a:extLst>
               <a:ext uri="{FF2B5EF4-FFF2-40B4-BE49-F238E27FC236}">
-                <a16:creationId xmlns:a16="http://schemas.microsoft.com/office/drawing/2014/main" id="{BFA5F608-4CB2-ED50-6295-5FB3C5C34888}"/>
+                <a16:creationId xmlns:a16="http://schemas.microsoft.com/office/drawing/2014/main" id="{83F72020-31E7-BA84-D28B-2055F3D18A4E}"/>
               </a:ext>
             </a:extLst>
           </p:cNvPr>
@@ -580,7 +580,7 @@
           <p:cNvPr id="3" name="竖排文字占位符 2">
             <a:extLst>
               <a:ext uri="{FF2B5EF4-FFF2-40B4-BE49-F238E27FC236}">
-                <a16:creationId xmlns:a16="http://schemas.microsoft.com/office/drawing/2014/main" id="{703D9A35-B0FE-2C04-5C57-53D700593151}"/>
+                <a16:creationId xmlns:a16="http://schemas.microsoft.com/office/drawing/2014/main" id="{8FC8C389-0462-84C3-4F1B-DA9ACD794FBF}"/>
               </a:ext>
             </a:extLst>
           </p:cNvPr>
@@ -642,7 +642,7 @@
           <p:cNvPr id="4" name="日期占位符 3">
             <a:extLst>
               <a:ext uri="{FF2B5EF4-FFF2-40B4-BE49-F238E27FC236}">
-                <a16:creationId xmlns:a16="http://schemas.microsoft.com/office/drawing/2014/main" id="{D9E4E390-E0FC-5BD8-B9EA-932A64745836}"/>
+                <a16:creationId xmlns:a16="http://schemas.microsoft.com/office/drawing/2014/main" id="{1EA2258E-77A5-18A0-5DF4-221E90E6F76C}"/>
               </a:ext>
             </a:extLst>
           </p:cNvPr>
@@ -658,7 +658,7 @@
           <a:bodyPr/>
           <a:lstStyle/>
           <a:p>
-            <a:fld id="{F00BA27E-71B2-4CDB-AA19-F91EECC6A788}" type="datetimeFigureOut">
+            <a:fld id="{0F465E66-C93D-4C18-9401-28980BFAFA21}" type="datetimeFigureOut">
               <a:rPr lang="zh-CN" altLang="en-US" smtClean="0"/>
               <a:t>2024/3/10</a:t>
             </a:fld>
@@ -671,7 +671,7 @@
           <p:cNvPr id="5" name="页脚占位符 4">
             <a:extLst>
               <a:ext uri="{FF2B5EF4-FFF2-40B4-BE49-F238E27FC236}">
-                <a16:creationId xmlns:a16="http://schemas.microsoft.com/office/drawing/2014/main" id="{F9339DBF-2F79-2034-DC99-03F8EFC515BA}"/>
+                <a16:creationId xmlns:a16="http://schemas.microsoft.com/office/drawing/2014/main" id="{D506733E-8011-0A10-8DC0-3973AA4BAF8D}"/>
               </a:ext>
             </a:extLst>
           </p:cNvPr>
@@ -696,7 +696,7 @@
           <p:cNvPr id="6" name="灯片编号占位符 5">
             <a:extLst>
               <a:ext uri="{FF2B5EF4-FFF2-40B4-BE49-F238E27FC236}">
-                <a16:creationId xmlns:a16="http://schemas.microsoft.com/office/drawing/2014/main" id="{950794C7-E3AB-E9CB-501F-010DD7CD9A1F}"/>
+                <a16:creationId xmlns:a16="http://schemas.microsoft.com/office/drawing/2014/main" id="{CB5C399F-2D4A-59A2-DACF-9A5534287FF5}"/>
               </a:ext>
             </a:extLst>
           </p:cNvPr>
@@ -712,7 +712,7 @@
           <a:bodyPr/>
           <a:lstStyle/>
           <a:p>
-            <a:fld id="{A7B887B9-9FD2-426E-A50C-E263711BE1EC}" type="slidenum">
+            <a:fld id="{AE7467CF-0D85-42B7-9B30-C3DDB06A560C}" type="slidenum">
               <a:rPr lang="zh-CN" altLang="en-US" smtClean="0"/>
               <a:t>‹#›</a:t>
             </a:fld>
@@ -723,7 +723,7 @@
     </p:spTree>
     <p:extLst>
       <p:ext uri="{BB962C8B-B14F-4D97-AF65-F5344CB8AC3E}">
-        <p14:creationId xmlns:p14="http://schemas.microsoft.com/office/powerpoint/2010/main" val="135895747"/>
+        <p14:creationId xmlns:p14="http://schemas.microsoft.com/office/powerpoint/2010/main" val="3843658918"/>
       </p:ext>
     </p:extLst>
   </p:cSld>
@@ -755,7 +755,7 @@
           <p:cNvPr id="2" name="标题 1">
             <a:extLst>
               <a:ext uri="{FF2B5EF4-FFF2-40B4-BE49-F238E27FC236}">
-                <a16:creationId xmlns:a16="http://schemas.microsoft.com/office/drawing/2014/main" id="{80A03021-D8F3-20CB-452B-908CD7966719}"/>
+                <a16:creationId xmlns:a16="http://schemas.microsoft.com/office/drawing/2014/main" id="{A9B9CDCD-E057-7914-25A9-486896D771F9}"/>
               </a:ext>
             </a:extLst>
           </p:cNvPr>
@@ -783,7 +783,7 @@
           <p:cNvPr id="3" name="内容占位符 2">
             <a:extLst>
               <a:ext uri="{FF2B5EF4-FFF2-40B4-BE49-F238E27FC236}">
-                <a16:creationId xmlns:a16="http://schemas.microsoft.com/office/drawing/2014/main" id="{4E70D0C2-1508-DE64-09DE-59184DFD2A0B}"/>
+                <a16:creationId xmlns:a16="http://schemas.microsoft.com/office/drawing/2014/main" id="{816A2628-A8AD-F580-BF9A-7E0FCE3BC21E}"/>
               </a:ext>
             </a:extLst>
           </p:cNvPr>
@@ -840,7 +840,7 @@
           <p:cNvPr id="4" name="日期占位符 3">
             <a:extLst>
               <a:ext uri="{FF2B5EF4-FFF2-40B4-BE49-F238E27FC236}">
-                <a16:creationId xmlns:a16="http://schemas.microsoft.com/office/drawing/2014/main" id="{2326BCB5-608C-2226-4DBE-D9C8ADBBE978}"/>
+                <a16:creationId xmlns:a16="http://schemas.microsoft.com/office/drawing/2014/main" id="{2AC7C3D5-B556-31FE-141B-8206EE5874C4}"/>
               </a:ext>
             </a:extLst>
           </p:cNvPr>
@@ -856,7 +856,7 @@
           <a:bodyPr/>
           <a:lstStyle/>
           <a:p>
-            <a:fld id="{F00BA27E-71B2-4CDB-AA19-F91EECC6A788}" type="datetimeFigureOut">
+            <a:fld id="{0F465E66-C93D-4C18-9401-28980BFAFA21}" type="datetimeFigureOut">
               <a:rPr lang="zh-CN" altLang="en-US" smtClean="0"/>
               <a:t>2024/3/10</a:t>
             </a:fld>
@@ -869,7 +869,7 @@
           <p:cNvPr id="5" name="页脚占位符 4">
             <a:extLst>
               <a:ext uri="{FF2B5EF4-FFF2-40B4-BE49-F238E27FC236}">
-                <a16:creationId xmlns:a16="http://schemas.microsoft.com/office/drawing/2014/main" id="{6F17DD7E-7DA3-2817-B006-92AEA5B4151F}"/>
+                <a16:creationId xmlns:a16="http://schemas.microsoft.com/office/drawing/2014/main" id="{E8BD061D-ED20-2A38-2B8A-03FD99BB8251}"/>
               </a:ext>
             </a:extLst>
           </p:cNvPr>
@@ -894,7 +894,7 @@
           <p:cNvPr id="6" name="灯片编号占位符 5">
             <a:extLst>
               <a:ext uri="{FF2B5EF4-FFF2-40B4-BE49-F238E27FC236}">
-                <a16:creationId xmlns:a16="http://schemas.microsoft.com/office/drawing/2014/main" id="{1EA72788-2D73-08A2-5BDF-AD2751E85714}"/>
+                <a16:creationId xmlns:a16="http://schemas.microsoft.com/office/drawing/2014/main" id="{B2FB0F68-1F8A-746C-DBD1-8A7C82E8F464}"/>
               </a:ext>
             </a:extLst>
           </p:cNvPr>
@@ -910,7 +910,7 @@
           <a:bodyPr/>
           <a:lstStyle/>
           <a:p>
-            <a:fld id="{A7B887B9-9FD2-426E-A50C-E263711BE1EC}" type="slidenum">
+            <a:fld id="{AE7467CF-0D85-42B7-9B30-C3DDB06A560C}" type="slidenum">
               <a:rPr lang="zh-CN" altLang="en-US" smtClean="0"/>
               <a:t>‹#›</a:t>
             </a:fld>
@@ -921,7 +921,7 @@
     </p:spTree>
     <p:extLst>
       <p:ext uri="{BB962C8B-B14F-4D97-AF65-F5344CB8AC3E}">
-        <p14:creationId xmlns:p14="http://schemas.microsoft.com/office/powerpoint/2010/main" val="3779741815"/>
+        <p14:creationId xmlns:p14="http://schemas.microsoft.com/office/powerpoint/2010/main" val="879265347"/>
       </p:ext>
     </p:extLst>
   </p:cSld>
@@ -953,7 +953,7 @@
           <p:cNvPr id="2" name="标题 1">
             <a:extLst>
               <a:ext uri="{FF2B5EF4-FFF2-40B4-BE49-F238E27FC236}">
-                <a16:creationId xmlns:a16="http://schemas.microsoft.com/office/drawing/2014/main" id="{0E231FC2-459F-93A2-EE04-18BCFB551260}"/>
+                <a16:creationId xmlns:a16="http://schemas.microsoft.com/office/drawing/2014/main" id="{5D9FB42A-C7E5-066A-6464-3E2D6EBB1E60}"/>
               </a:ext>
             </a:extLst>
           </p:cNvPr>
@@ -990,7 +990,7 @@
           <p:cNvPr id="3" name="文本占位符 2">
             <a:extLst>
               <a:ext uri="{FF2B5EF4-FFF2-40B4-BE49-F238E27FC236}">
-                <a16:creationId xmlns:a16="http://schemas.microsoft.com/office/drawing/2014/main" id="{AE851191-227D-9E5C-DDF4-DBFC5A907883}"/>
+                <a16:creationId xmlns:a16="http://schemas.microsoft.com/office/drawing/2014/main" id="{9EB7231D-7C87-4FF4-ABE1-40B807F66155}"/>
               </a:ext>
             </a:extLst>
           </p:cNvPr>
@@ -1115,7 +1115,7 @@
           <p:cNvPr id="4" name="日期占位符 3">
             <a:extLst>
               <a:ext uri="{FF2B5EF4-FFF2-40B4-BE49-F238E27FC236}">
-                <a16:creationId xmlns:a16="http://schemas.microsoft.com/office/drawing/2014/main" id="{E1BFE632-4A8E-6C94-9597-FE1A46939BEA}"/>
+                <a16:creationId xmlns:a16="http://schemas.microsoft.com/office/drawing/2014/main" id="{B566127F-C70C-50F7-2ADB-8E7F8A5AE89D}"/>
               </a:ext>
             </a:extLst>
           </p:cNvPr>
@@ -1131,7 +1131,7 @@
           <a:bodyPr/>
           <a:lstStyle/>
           <a:p>
-            <a:fld id="{F00BA27E-71B2-4CDB-AA19-F91EECC6A788}" type="datetimeFigureOut">
+            <a:fld id="{0F465E66-C93D-4C18-9401-28980BFAFA21}" type="datetimeFigureOut">
               <a:rPr lang="zh-CN" altLang="en-US" smtClean="0"/>
               <a:t>2024/3/10</a:t>
             </a:fld>
@@ -1144,7 +1144,7 @@
           <p:cNvPr id="5" name="页脚占位符 4">
             <a:extLst>
               <a:ext uri="{FF2B5EF4-FFF2-40B4-BE49-F238E27FC236}">
-                <a16:creationId xmlns:a16="http://schemas.microsoft.com/office/drawing/2014/main" id="{3F92D7F5-49A8-3D46-E5D2-4B70DD373694}"/>
+                <a16:creationId xmlns:a16="http://schemas.microsoft.com/office/drawing/2014/main" id="{87BB4276-5C28-952B-F7AD-01CE4896AE66}"/>
               </a:ext>
             </a:extLst>
           </p:cNvPr>
@@ -1169,7 +1169,7 @@
           <p:cNvPr id="6" name="灯片编号占位符 5">
             <a:extLst>
               <a:ext uri="{FF2B5EF4-FFF2-40B4-BE49-F238E27FC236}">
-                <a16:creationId xmlns:a16="http://schemas.microsoft.com/office/drawing/2014/main" id="{B7B3C680-6309-2A45-D21F-88B9EDD53B57}"/>
+                <a16:creationId xmlns:a16="http://schemas.microsoft.com/office/drawing/2014/main" id="{1E9B030D-E08A-CA34-9F3C-EC921B0C121F}"/>
               </a:ext>
             </a:extLst>
           </p:cNvPr>
@@ -1185,7 +1185,7 @@
           <a:bodyPr/>
           <a:lstStyle/>
           <a:p>
-            <a:fld id="{A7B887B9-9FD2-426E-A50C-E263711BE1EC}" type="slidenum">
+            <a:fld id="{AE7467CF-0D85-42B7-9B30-C3DDB06A560C}" type="slidenum">
               <a:rPr lang="zh-CN" altLang="en-US" smtClean="0"/>
               <a:t>‹#›</a:t>
             </a:fld>
@@ -1196,7 +1196,7 @@
     </p:spTree>
     <p:extLst>
       <p:ext uri="{BB962C8B-B14F-4D97-AF65-F5344CB8AC3E}">
-        <p14:creationId xmlns:p14="http://schemas.microsoft.com/office/powerpoint/2010/main" val="367331140"/>
+        <p14:creationId xmlns:p14="http://schemas.microsoft.com/office/powerpoint/2010/main" val="45292763"/>
       </p:ext>
     </p:extLst>
   </p:cSld>
@@ -1228,7 +1228,7 @@
           <p:cNvPr id="2" name="标题 1">
             <a:extLst>
               <a:ext uri="{FF2B5EF4-FFF2-40B4-BE49-F238E27FC236}">
-                <a16:creationId xmlns:a16="http://schemas.microsoft.com/office/drawing/2014/main" id="{D331F32D-A401-38B5-948B-DAD40421078D}"/>
+                <a16:creationId xmlns:a16="http://schemas.microsoft.com/office/drawing/2014/main" id="{83D5F3C9-15A7-BA4A-BB82-252D53B4B52A}"/>
               </a:ext>
             </a:extLst>
           </p:cNvPr>
@@ -1256,7 +1256,7 @@
           <p:cNvPr id="3" name="内容占位符 2">
             <a:extLst>
               <a:ext uri="{FF2B5EF4-FFF2-40B4-BE49-F238E27FC236}">
-                <a16:creationId xmlns:a16="http://schemas.microsoft.com/office/drawing/2014/main" id="{AFB6F567-4998-BC20-CA53-84D6FD6A0545}"/>
+                <a16:creationId xmlns:a16="http://schemas.microsoft.com/office/drawing/2014/main" id="{89D0416D-AEF1-39BE-37DE-4EA6EC04E71A}"/>
               </a:ext>
             </a:extLst>
           </p:cNvPr>
@@ -1318,7 +1318,7 @@
           <p:cNvPr id="4" name="内容占位符 3">
             <a:extLst>
               <a:ext uri="{FF2B5EF4-FFF2-40B4-BE49-F238E27FC236}">
-                <a16:creationId xmlns:a16="http://schemas.microsoft.com/office/drawing/2014/main" id="{1A1CB95B-15F5-26BB-B865-04502BD1A92F}"/>
+                <a16:creationId xmlns:a16="http://schemas.microsoft.com/office/drawing/2014/main" id="{4AC29481-EF59-8184-6759-3459B0442F3D}"/>
               </a:ext>
             </a:extLst>
           </p:cNvPr>
@@ -1380,7 +1380,7 @@
           <p:cNvPr id="5" name="日期占位符 4">
             <a:extLst>
               <a:ext uri="{FF2B5EF4-FFF2-40B4-BE49-F238E27FC236}">
-                <a16:creationId xmlns:a16="http://schemas.microsoft.com/office/drawing/2014/main" id="{4758B615-BA18-1ADD-68CF-9254D2240F25}"/>
+                <a16:creationId xmlns:a16="http://schemas.microsoft.com/office/drawing/2014/main" id="{66E99622-D08F-8664-FBD5-C8F7BBECF2FF}"/>
               </a:ext>
             </a:extLst>
           </p:cNvPr>
@@ -1396,7 +1396,7 @@
           <a:bodyPr/>
           <a:lstStyle/>
           <a:p>
-            <a:fld id="{F00BA27E-71B2-4CDB-AA19-F91EECC6A788}" type="datetimeFigureOut">
+            <a:fld id="{0F465E66-C93D-4C18-9401-28980BFAFA21}" type="datetimeFigureOut">
               <a:rPr lang="zh-CN" altLang="en-US" smtClean="0"/>
               <a:t>2024/3/10</a:t>
             </a:fld>
@@ -1409,7 +1409,7 @@
           <p:cNvPr id="6" name="页脚占位符 5">
             <a:extLst>
               <a:ext uri="{FF2B5EF4-FFF2-40B4-BE49-F238E27FC236}">
-                <a16:creationId xmlns:a16="http://schemas.microsoft.com/office/drawing/2014/main" id="{EBB5D233-4057-8CA4-4390-BF30FEDE0198}"/>
+                <a16:creationId xmlns:a16="http://schemas.microsoft.com/office/drawing/2014/main" id="{F1680F17-D5E4-D1D0-5434-770991F322DB}"/>
               </a:ext>
             </a:extLst>
           </p:cNvPr>
@@ -1434,7 +1434,7 @@
           <p:cNvPr id="7" name="灯片编号占位符 6">
             <a:extLst>
               <a:ext uri="{FF2B5EF4-FFF2-40B4-BE49-F238E27FC236}">
-                <a16:creationId xmlns:a16="http://schemas.microsoft.com/office/drawing/2014/main" id="{B272415D-CE51-ECE5-1086-B5183343581B}"/>
+                <a16:creationId xmlns:a16="http://schemas.microsoft.com/office/drawing/2014/main" id="{82F4D528-8918-6B7D-F195-817C2344CD02}"/>
               </a:ext>
             </a:extLst>
           </p:cNvPr>
@@ -1450,7 +1450,7 @@
           <a:bodyPr/>
           <a:lstStyle/>
           <a:p>
-            <a:fld id="{A7B887B9-9FD2-426E-A50C-E263711BE1EC}" type="slidenum">
+            <a:fld id="{AE7467CF-0D85-42B7-9B30-C3DDB06A560C}" type="slidenum">
               <a:rPr lang="zh-CN" altLang="en-US" smtClean="0"/>
               <a:t>‹#›</a:t>
             </a:fld>
@@ -1461,7 +1461,7 @@
     </p:spTree>
     <p:extLst>
       <p:ext uri="{BB962C8B-B14F-4D97-AF65-F5344CB8AC3E}">
-        <p14:creationId xmlns:p14="http://schemas.microsoft.com/office/powerpoint/2010/main" val="134071555"/>
+        <p14:creationId xmlns:p14="http://schemas.microsoft.com/office/powerpoint/2010/main" val="1637767994"/>
       </p:ext>
     </p:extLst>
   </p:cSld>
@@ -1493,7 +1493,7 @@
           <p:cNvPr id="2" name="标题 1">
             <a:extLst>
               <a:ext uri="{FF2B5EF4-FFF2-40B4-BE49-F238E27FC236}">
-                <a16:creationId xmlns:a16="http://schemas.microsoft.com/office/drawing/2014/main" id="{6B8FE502-D8F8-32CB-F147-F7100AD903CF}"/>
+                <a16:creationId xmlns:a16="http://schemas.microsoft.com/office/drawing/2014/main" id="{9988C3F8-47A4-AC5E-FD78-CEFFC48A25CD}"/>
               </a:ext>
             </a:extLst>
           </p:cNvPr>
@@ -1526,7 +1526,7 @@
           <p:cNvPr id="3" name="文本占位符 2">
             <a:extLst>
               <a:ext uri="{FF2B5EF4-FFF2-40B4-BE49-F238E27FC236}">
-                <a16:creationId xmlns:a16="http://schemas.microsoft.com/office/drawing/2014/main" id="{1668B1A4-7B05-C6AB-FA2F-307D62C96A71}"/>
+                <a16:creationId xmlns:a16="http://schemas.microsoft.com/office/drawing/2014/main" id="{2DD68C8E-AE20-9BF4-7C4A-E2E17554C255}"/>
               </a:ext>
             </a:extLst>
           </p:cNvPr>
@@ -1597,7 +1597,7 @@
           <p:cNvPr id="4" name="内容占位符 3">
             <a:extLst>
               <a:ext uri="{FF2B5EF4-FFF2-40B4-BE49-F238E27FC236}">
-                <a16:creationId xmlns:a16="http://schemas.microsoft.com/office/drawing/2014/main" id="{4DF75D83-04C8-F361-938A-4106C92A351E}"/>
+                <a16:creationId xmlns:a16="http://schemas.microsoft.com/office/drawing/2014/main" id="{30FE0A0F-62E7-F554-6B59-5D224BCAB612}"/>
               </a:ext>
             </a:extLst>
           </p:cNvPr>
@@ -1659,7 +1659,7 @@
           <p:cNvPr id="5" name="文本占位符 4">
             <a:extLst>
               <a:ext uri="{FF2B5EF4-FFF2-40B4-BE49-F238E27FC236}">
-                <a16:creationId xmlns:a16="http://schemas.microsoft.com/office/drawing/2014/main" id="{6FDC0E80-2FFA-CDC0-0158-7668F727DCB7}"/>
+                <a16:creationId xmlns:a16="http://schemas.microsoft.com/office/drawing/2014/main" id="{C5100567-83C6-CC4B-41DF-1216920FE72B}"/>
               </a:ext>
             </a:extLst>
           </p:cNvPr>
@@ -1730,7 +1730,7 @@
           <p:cNvPr id="6" name="内容占位符 5">
             <a:extLst>
               <a:ext uri="{FF2B5EF4-FFF2-40B4-BE49-F238E27FC236}">
-                <a16:creationId xmlns:a16="http://schemas.microsoft.com/office/drawing/2014/main" id="{AEAF55B0-1C71-AE78-8D72-A52A44109F3B}"/>
+                <a16:creationId xmlns:a16="http://schemas.microsoft.com/office/drawing/2014/main" id="{ADF7E195-B1EC-4DED-1BA4-26A3029329CD}"/>
               </a:ext>
             </a:extLst>
           </p:cNvPr>
@@ -1792,7 +1792,7 @@
           <p:cNvPr id="7" name="日期占位符 6">
             <a:extLst>
               <a:ext uri="{FF2B5EF4-FFF2-40B4-BE49-F238E27FC236}">
-                <a16:creationId xmlns:a16="http://schemas.microsoft.com/office/drawing/2014/main" id="{830E8626-57D9-3632-E33A-179A67DD4A07}"/>
+                <a16:creationId xmlns:a16="http://schemas.microsoft.com/office/drawing/2014/main" id="{5AB5BEED-8615-78BB-2A2E-130C0E980A7D}"/>
               </a:ext>
             </a:extLst>
           </p:cNvPr>
@@ -1808,7 +1808,7 @@
           <a:bodyPr/>
           <a:lstStyle/>
           <a:p>
-            <a:fld id="{F00BA27E-71B2-4CDB-AA19-F91EECC6A788}" type="datetimeFigureOut">
+            <a:fld id="{0F465E66-C93D-4C18-9401-28980BFAFA21}" type="datetimeFigureOut">
               <a:rPr lang="zh-CN" altLang="en-US" smtClean="0"/>
               <a:t>2024/3/10</a:t>
             </a:fld>
@@ -1821,7 +1821,7 @@
           <p:cNvPr id="8" name="页脚占位符 7">
             <a:extLst>
               <a:ext uri="{FF2B5EF4-FFF2-40B4-BE49-F238E27FC236}">
-                <a16:creationId xmlns:a16="http://schemas.microsoft.com/office/drawing/2014/main" id="{1D0B0D26-459F-07CD-E343-FCE2F7151CB6}"/>
+                <a16:creationId xmlns:a16="http://schemas.microsoft.com/office/drawing/2014/main" id="{B072DEEB-12C0-B394-5CBE-B8BD449EFD0B}"/>
               </a:ext>
             </a:extLst>
           </p:cNvPr>
@@ -1846,7 +1846,7 @@
           <p:cNvPr id="9" name="灯片编号占位符 8">
             <a:extLst>
               <a:ext uri="{FF2B5EF4-FFF2-40B4-BE49-F238E27FC236}">
-                <a16:creationId xmlns:a16="http://schemas.microsoft.com/office/drawing/2014/main" id="{A84671EC-517E-1152-FEAF-C9C8A6E78DEC}"/>
+                <a16:creationId xmlns:a16="http://schemas.microsoft.com/office/drawing/2014/main" id="{348C3DD9-9DB9-B843-F503-69C3ACCBEFA6}"/>
               </a:ext>
             </a:extLst>
           </p:cNvPr>
@@ -1862,7 +1862,7 @@
           <a:bodyPr/>
           <a:lstStyle/>
           <a:p>
-            <a:fld id="{A7B887B9-9FD2-426E-A50C-E263711BE1EC}" type="slidenum">
+            <a:fld id="{AE7467CF-0D85-42B7-9B30-C3DDB06A560C}" type="slidenum">
               <a:rPr lang="zh-CN" altLang="en-US" smtClean="0"/>
               <a:t>‹#›</a:t>
             </a:fld>
@@ -1873,7 +1873,7 @@
     </p:spTree>
     <p:extLst>
       <p:ext uri="{BB962C8B-B14F-4D97-AF65-F5344CB8AC3E}">
-        <p14:creationId xmlns:p14="http://schemas.microsoft.com/office/powerpoint/2010/main" val="519360654"/>
+        <p14:creationId xmlns:p14="http://schemas.microsoft.com/office/powerpoint/2010/main" val="3350837217"/>
       </p:ext>
     </p:extLst>
   </p:cSld>
@@ -1905,7 +1905,7 @@
           <p:cNvPr id="2" name="标题 1">
             <a:extLst>
               <a:ext uri="{FF2B5EF4-FFF2-40B4-BE49-F238E27FC236}">
-                <a16:creationId xmlns:a16="http://schemas.microsoft.com/office/drawing/2014/main" id="{EEAEDD3E-C49E-CE4F-D242-3A5F33917338}"/>
+                <a16:creationId xmlns:a16="http://schemas.microsoft.com/office/drawing/2014/main" id="{601F6A8A-C423-9C14-6559-1DE99E1B20F6}"/>
               </a:ext>
             </a:extLst>
           </p:cNvPr>
@@ -1933,7 +1933,7 @@
           <p:cNvPr id="3" name="日期占位符 2">
             <a:extLst>
               <a:ext uri="{FF2B5EF4-FFF2-40B4-BE49-F238E27FC236}">
-                <a16:creationId xmlns:a16="http://schemas.microsoft.com/office/drawing/2014/main" id="{2234DA28-A863-9628-6C37-F0D7BC299B12}"/>
+                <a16:creationId xmlns:a16="http://schemas.microsoft.com/office/drawing/2014/main" id="{5502B470-0A2E-9D56-10A7-00506FAB1D82}"/>
               </a:ext>
             </a:extLst>
           </p:cNvPr>
@@ -1949,7 +1949,7 @@
           <a:bodyPr/>
           <a:lstStyle/>
           <a:p>
-            <a:fld id="{F00BA27E-71B2-4CDB-AA19-F91EECC6A788}" type="datetimeFigureOut">
+            <a:fld id="{0F465E66-C93D-4C18-9401-28980BFAFA21}" type="datetimeFigureOut">
               <a:rPr lang="zh-CN" altLang="en-US" smtClean="0"/>
               <a:t>2024/3/10</a:t>
             </a:fld>
@@ -1962,7 +1962,7 @@
           <p:cNvPr id="4" name="页脚占位符 3">
             <a:extLst>
               <a:ext uri="{FF2B5EF4-FFF2-40B4-BE49-F238E27FC236}">
-                <a16:creationId xmlns:a16="http://schemas.microsoft.com/office/drawing/2014/main" id="{E4253B55-9715-6FED-2434-C12DB39C1DAE}"/>
+                <a16:creationId xmlns:a16="http://schemas.microsoft.com/office/drawing/2014/main" id="{DE0F0FA7-A35D-341D-536D-9404E82377EE}"/>
               </a:ext>
             </a:extLst>
           </p:cNvPr>
@@ -1987,7 +1987,7 @@
           <p:cNvPr id="5" name="灯片编号占位符 4">
             <a:extLst>
               <a:ext uri="{FF2B5EF4-FFF2-40B4-BE49-F238E27FC236}">
-                <a16:creationId xmlns:a16="http://schemas.microsoft.com/office/drawing/2014/main" id="{AA6845D5-AE26-E7DE-E7F4-3DEA6A159DEA}"/>
+                <a16:creationId xmlns:a16="http://schemas.microsoft.com/office/drawing/2014/main" id="{74D0DA4D-C74E-49C3-ED3A-E21A115044C8}"/>
               </a:ext>
             </a:extLst>
           </p:cNvPr>
@@ -2003,7 +2003,7 @@
           <a:bodyPr/>
           <a:lstStyle/>
           <a:p>
-            <a:fld id="{A7B887B9-9FD2-426E-A50C-E263711BE1EC}" type="slidenum">
+            <a:fld id="{AE7467CF-0D85-42B7-9B30-C3DDB06A560C}" type="slidenum">
               <a:rPr lang="zh-CN" altLang="en-US" smtClean="0"/>
               <a:t>‹#›</a:t>
             </a:fld>
@@ -2014,7 +2014,7 @@
     </p:spTree>
     <p:extLst>
       <p:ext uri="{BB962C8B-B14F-4D97-AF65-F5344CB8AC3E}">
-        <p14:creationId xmlns:p14="http://schemas.microsoft.com/office/powerpoint/2010/main" val="179740646"/>
+        <p14:creationId xmlns:p14="http://schemas.microsoft.com/office/powerpoint/2010/main" val="3041771223"/>
       </p:ext>
     </p:extLst>
   </p:cSld>
@@ -2046,7 +2046,7 @@
           <p:cNvPr id="2" name="日期占位符 1">
             <a:extLst>
               <a:ext uri="{FF2B5EF4-FFF2-40B4-BE49-F238E27FC236}">
-                <a16:creationId xmlns:a16="http://schemas.microsoft.com/office/drawing/2014/main" id="{09B37DB4-B2B5-9052-9BF1-1621DD906F08}"/>
+                <a16:creationId xmlns:a16="http://schemas.microsoft.com/office/drawing/2014/main" id="{90F21990-6D10-A3D7-8356-94E008E048DE}"/>
               </a:ext>
             </a:extLst>
           </p:cNvPr>
@@ -2062,7 +2062,7 @@
           <a:bodyPr/>
           <a:lstStyle/>
           <a:p>
-            <a:fld id="{F00BA27E-71B2-4CDB-AA19-F91EECC6A788}" type="datetimeFigureOut">
+            <a:fld id="{0F465E66-C93D-4C18-9401-28980BFAFA21}" type="datetimeFigureOut">
               <a:rPr lang="zh-CN" altLang="en-US" smtClean="0"/>
               <a:t>2024/3/10</a:t>
             </a:fld>
@@ -2075,7 +2075,7 @@
           <p:cNvPr id="3" name="页脚占位符 2">
             <a:extLst>
               <a:ext uri="{FF2B5EF4-FFF2-40B4-BE49-F238E27FC236}">
-                <a16:creationId xmlns:a16="http://schemas.microsoft.com/office/drawing/2014/main" id="{A4069529-AE70-3630-966D-D16D176F2E48}"/>
+                <a16:creationId xmlns:a16="http://schemas.microsoft.com/office/drawing/2014/main" id="{EAFC8348-C7DD-0DCF-DE9A-16AFFF552CBF}"/>
               </a:ext>
             </a:extLst>
           </p:cNvPr>
@@ -2100,7 +2100,7 @@
           <p:cNvPr id="4" name="灯片编号占位符 3">
             <a:extLst>
               <a:ext uri="{FF2B5EF4-FFF2-40B4-BE49-F238E27FC236}">
-                <a16:creationId xmlns:a16="http://schemas.microsoft.com/office/drawing/2014/main" id="{4467CC60-E37B-BE30-46D6-94B2F7435E8D}"/>
+                <a16:creationId xmlns:a16="http://schemas.microsoft.com/office/drawing/2014/main" id="{19C1FFB3-128B-F854-26DD-403FB3AF289C}"/>
               </a:ext>
             </a:extLst>
           </p:cNvPr>
@@ -2116,7 +2116,7 @@
           <a:bodyPr/>
           <a:lstStyle/>
           <a:p>
-            <a:fld id="{A7B887B9-9FD2-426E-A50C-E263711BE1EC}" type="slidenum">
+            <a:fld id="{AE7467CF-0D85-42B7-9B30-C3DDB06A560C}" type="slidenum">
               <a:rPr lang="zh-CN" altLang="en-US" smtClean="0"/>
               <a:t>‹#›</a:t>
             </a:fld>
@@ -2127,7 +2127,7 @@
     </p:spTree>
     <p:extLst>
       <p:ext uri="{BB962C8B-B14F-4D97-AF65-F5344CB8AC3E}">
-        <p14:creationId xmlns:p14="http://schemas.microsoft.com/office/powerpoint/2010/main" val="1916006695"/>
+        <p14:creationId xmlns:p14="http://schemas.microsoft.com/office/powerpoint/2010/main" val="1262423104"/>
       </p:ext>
     </p:extLst>
   </p:cSld>
@@ -2159,7 +2159,7 @@
           <p:cNvPr id="2" name="标题 1">
             <a:extLst>
               <a:ext uri="{FF2B5EF4-FFF2-40B4-BE49-F238E27FC236}">
-                <a16:creationId xmlns:a16="http://schemas.microsoft.com/office/drawing/2014/main" id="{91BBFB06-BCD0-428A-78DD-231229958271}"/>
+                <a16:creationId xmlns:a16="http://schemas.microsoft.com/office/drawing/2014/main" id="{918AA666-ADB1-4498-9C40-9861DB8780FE}"/>
               </a:ext>
             </a:extLst>
           </p:cNvPr>
@@ -2196,7 +2196,7 @@
           <p:cNvPr id="3" name="内容占位符 2">
             <a:extLst>
               <a:ext uri="{FF2B5EF4-FFF2-40B4-BE49-F238E27FC236}">
-                <a16:creationId xmlns:a16="http://schemas.microsoft.com/office/drawing/2014/main" id="{83F43910-88BD-3517-9BBD-296FD3BDAE24}"/>
+                <a16:creationId xmlns:a16="http://schemas.microsoft.com/office/drawing/2014/main" id="{CF27F683-881A-47C9-7A5A-AB42BB1AF87B}"/>
               </a:ext>
             </a:extLst>
           </p:cNvPr>
@@ -2286,7 +2286,7 @@
           <p:cNvPr id="4" name="文本占位符 3">
             <a:extLst>
               <a:ext uri="{FF2B5EF4-FFF2-40B4-BE49-F238E27FC236}">
-                <a16:creationId xmlns:a16="http://schemas.microsoft.com/office/drawing/2014/main" id="{92C533E1-2ECF-AF2F-E9F4-040083E0F33D}"/>
+                <a16:creationId xmlns:a16="http://schemas.microsoft.com/office/drawing/2014/main" id="{E1C17F9A-E328-B009-D4D1-D036D8646C01}"/>
               </a:ext>
             </a:extLst>
           </p:cNvPr>
@@ -2357,7 +2357,7 @@
           <p:cNvPr id="5" name="日期占位符 4">
             <a:extLst>
               <a:ext uri="{FF2B5EF4-FFF2-40B4-BE49-F238E27FC236}">
-                <a16:creationId xmlns:a16="http://schemas.microsoft.com/office/drawing/2014/main" id="{52A54620-E673-914A-CB27-6D7C4A39B620}"/>
+                <a16:creationId xmlns:a16="http://schemas.microsoft.com/office/drawing/2014/main" id="{E5035894-0572-9E68-04FD-E2E3CF778E73}"/>
               </a:ext>
             </a:extLst>
           </p:cNvPr>
@@ -2373,7 +2373,7 @@
           <a:bodyPr/>
           <a:lstStyle/>
           <a:p>
-            <a:fld id="{F00BA27E-71B2-4CDB-AA19-F91EECC6A788}" type="datetimeFigureOut">
+            <a:fld id="{0F465E66-C93D-4C18-9401-28980BFAFA21}" type="datetimeFigureOut">
               <a:rPr lang="zh-CN" altLang="en-US" smtClean="0"/>
               <a:t>2024/3/10</a:t>
             </a:fld>
@@ -2386,7 +2386,7 @@
           <p:cNvPr id="6" name="页脚占位符 5">
             <a:extLst>
               <a:ext uri="{FF2B5EF4-FFF2-40B4-BE49-F238E27FC236}">
-                <a16:creationId xmlns:a16="http://schemas.microsoft.com/office/drawing/2014/main" id="{D20B9B7D-3CC2-7440-8699-F743D9CA1615}"/>
+                <a16:creationId xmlns:a16="http://schemas.microsoft.com/office/drawing/2014/main" id="{EAC02C0F-9EB3-C76B-1C2C-C9DE280175C8}"/>
               </a:ext>
             </a:extLst>
           </p:cNvPr>
@@ -2411,7 +2411,7 @@
           <p:cNvPr id="7" name="灯片编号占位符 6">
             <a:extLst>
               <a:ext uri="{FF2B5EF4-FFF2-40B4-BE49-F238E27FC236}">
-                <a16:creationId xmlns:a16="http://schemas.microsoft.com/office/drawing/2014/main" id="{73882BC0-6779-1647-5B05-9B9D86540C6A}"/>
+                <a16:creationId xmlns:a16="http://schemas.microsoft.com/office/drawing/2014/main" id="{984C1618-E2DD-A506-1397-B44CF20F3329}"/>
               </a:ext>
             </a:extLst>
           </p:cNvPr>
@@ -2427,7 +2427,7 @@
           <a:bodyPr/>
           <a:lstStyle/>
           <a:p>
-            <a:fld id="{A7B887B9-9FD2-426E-A50C-E263711BE1EC}" type="slidenum">
+            <a:fld id="{AE7467CF-0D85-42B7-9B30-C3DDB06A560C}" type="slidenum">
               <a:rPr lang="zh-CN" altLang="en-US" smtClean="0"/>
               <a:t>‹#›</a:t>
             </a:fld>
@@ -2438,7 +2438,7 @@
     </p:spTree>
     <p:extLst>
       <p:ext uri="{BB962C8B-B14F-4D97-AF65-F5344CB8AC3E}">
-        <p14:creationId xmlns:p14="http://schemas.microsoft.com/office/powerpoint/2010/main" val="3797812261"/>
+        <p14:creationId xmlns:p14="http://schemas.microsoft.com/office/powerpoint/2010/main" val="3104114535"/>
       </p:ext>
     </p:extLst>
   </p:cSld>
@@ -2470,7 +2470,7 @@
           <p:cNvPr id="2" name="标题 1">
             <a:extLst>
               <a:ext uri="{FF2B5EF4-FFF2-40B4-BE49-F238E27FC236}">
-                <a16:creationId xmlns:a16="http://schemas.microsoft.com/office/drawing/2014/main" id="{5B59545F-E229-8CE6-E9FB-35EE433126AD}"/>
+                <a16:creationId xmlns:a16="http://schemas.microsoft.com/office/drawing/2014/main" id="{79824C0B-05F6-5E1E-AC4A-A9A700EBC0B9}"/>
               </a:ext>
             </a:extLst>
           </p:cNvPr>
@@ -2507,7 +2507,7 @@
           <p:cNvPr id="3" name="图片占位符 2">
             <a:extLst>
               <a:ext uri="{FF2B5EF4-FFF2-40B4-BE49-F238E27FC236}">
-                <a16:creationId xmlns:a16="http://schemas.microsoft.com/office/drawing/2014/main" id="{0852DDCC-5FF1-1E8F-650B-40E227B2E0B2}"/>
+                <a16:creationId xmlns:a16="http://schemas.microsoft.com/office/drawing/2014/main" id="{0230E22D-75D5-2887-B08C-5A1339A186B7}"/>
               </a:ext>
             </a:extLst>
           </p:cNvPr>
@@ -2574,7 +2574,7 @@
           <p:cNvPr id="4" name="文本占位符 3">
             <a:extLst>
               <a:ext uri="{FF2B5EF4-FFF2-40B4-BE49-F238E27FC236}">
-                <a16:creationId xmlns:a16="http://schemas.microsoft.com/office/drawing/2014/main" id="{FEC95A1B-2018-AD93-8A11-63AB7C1418B0}"/>
+                <a16:creationId xmlns:a16="http://schemas.microsoft.com/office/drawing/2014/main" id="{7BBF1DFB-E202-871C-43BA-013BE5F92512}"/>
               </a:ext>
             </a:extLst>
           </p:cNvPr>
@@ -2645,7 +2645,7 @@
           <p:cNvPr id="5" name="日期占位符 4">
             <a:extLst>
               <a:ext uri="{FF2B5EF4-FFF2-40B4-BE49-F238E27FC236}">
-                <a16:creationId xmlns:a16="http://schemas.microsoft.com/office/drawing/2014/main" id="{B38B9E91-1773-C360-B922-F4385256DB0B}"/>
+                <a16:creationId xmlns:a16="http://schemas.microsoft.com/office/drawing/2014/main" id="{2537CDB3-9ADC-2792-808E-ED8B62FF732F}"/>
               </a:ext>
             </a:extLst>
           </p:cNvPr>
@@ -2661,7 +2661,7 @@
           <a:bodyPr/>
           <a:lstStyle/>
           <a:p>
-            <a:fld id="{F00BA27E-71B2-4CDB-AA19-F91EECC6A788}" type="datetimeFigureOut">
+            <a:fld id="{0F465E66-C93D-4C18-9401-28980BFAFA21}" type="datetimeFigureOut">
               <a:rPr lang="zh-CN" altLang="en-US" smtClean="0"/>
               <a:t>2024/3/10</a:t>
             </a:fld>
@@ -2674,7 +2674,7 @@
           <p:cNvPr id="6" name="页脚占位符 5">
             <a:extLst>
               <a:ext uri="{FF2B5EF4-FFF2-40B4-BE49-F238E27FC236}">
-                <a16:creationId xmlns:a16="http://schemas.microsoft.com/office/drawing/2014/main" id="{7B984E0E-ABE2-6353-4AD8-5248C3479C23}"/>
+                <a16:creationId xmlns:a16="http://schemas.microsoft.com/office/drawing/2014/main" id="{207C85B4-C66A-53F5-5B99-EEE321D80380}"/>
               </a:ext>
             </a:extLst>
           </p:cNvPr>
@@ -2699,7 +2699,7 @@
           <p:cNvPr id="7" name="灯片编号占位符 6">
             <a:extLst>
               <a:ext uri="{FF2B5EF4-FFF2-40B4-BE49-F238E27FC236}">
-                <a16:creationId xmlns:a16="http://schemas.microsoft.com/office/drawing/2014/main" id="{1655A503-943F-405E-2C0C-E542FA2A24B1}"/>
+                <a16:creationId xmlns:a16="http://schemas.microsoft.com/office/drawing/2014/main" id="{6D2C985C-404C-641C-8C85-38181E14553A}"/>
               </a:ext>
             </a:extLst>
           </p:cNvPr>
@@ -2715,7 +2715,7 @@
           <a:bodyPr/>
           <a:lstStyle/>
           <a:p>
-            <a:fld id="{A7B887B9-9FD2-426E-A50C-E263711BE1EC}" type="slidenum">
+            <a:fld id="{AE7467CF-0D85-42B7-9B30-C3DDB06A560C}" type="slidenum">
               <a:rPr lang="zh-CN" altLang="en-US" smtClean="0"/>
               <a:t>‹#›</a:t>
             </a:fld>
@@ -2726,7 +2726,7 @@
     </p:spTree>
     <p:extLst>
       <p:ext uri="{BB962C8B-B14F-4D97-AF65-F5344CB8AC3E}">
-        <p14:creationId xmlns:p14="http://schemas.microsoft.com/office/powerpoint/2010/main" val="1288276460"/>
+        <p14:creationId xmlns:p14="http://schemas.microsoft.com/office/powerpoint/2010/main" val="1787786016"/>
       </p:ext>
     </p:extLst>
   </p:cSld>
@@ -2763,7 +2763,7 @@
           <p:cNvPr id="2" name="标题占位符 1">
             <a:extLst>
               <a:ext uri="{FF2B5EF4-FFF2-40B4-BE49-F238E27FC236}">
-                <a16:creationId xmlns:a16="http://schemas.microsoft.com/office/drawing/2014/main" id="{098553FD-37CB-CE9E-1575-52D7371233F4}"/>
+                <a16:creationId xmlns:a16="http://schemas.microsoft.com/office/drawing/2014/main" id="{6FE596F1-4078-1D30-B767-4DC3178EA1B1}"/>
               </a:ext>
             </a:extLst>
           </p:cNvPr>
@@ -2801,7 +2801,7 @@
           <p:cNvPr id="3" name="文本占位符 2">
             <a:extLst>
               <a:ext uri="{FF2B5EF4-FFF2-40B4-BE49-F238E27FC236}">
-                <a16:creationId xmlns:a16="http://schemas.microsoft.com/office/drawing/2014/main" id="{511F6E86-6682-73A0-3C95-A86DB14DA748}"/>
+                <a16:creationId xmlns:a16="http://schemas.microsoft.com/office/drawing/2014/main" id="{A8CCADCC-5B7D-89B4-D9B2-FED31A602922}"/>
               </a:ext>
             </a:extLst>
           </p:cNvPr>
@@ -2868,7 +2868,7 @@
           <p:cNvPr id="4" name="日期占位符 3">
             <a:extLst>
               <a:ext uri="{FF2B5EF4-FFF2-40B4-BE49-F238E27FC236}">
-                <a16:creationId xmlns:a16="http://schemas.microsoft.com/office/drawing/2014/main" id="{3ABADF24-6EFB-1588-BF48-D7A24F28EEDE}"/>
+                <a16:creationId xmlns:a16="http://schemas.microsoft.com/office/drawing/2014/main" id="{AA5A9FFC-79A9-EB7F-F497-0A428B1A264F}"/>
               </a:ext>
             </a:extLst>
           </p:cNvPr>
@@ -2902,7 +2902,7 @@
             </a:lvl1pPr>
           </a:lstStyle>
           <a:p>
-            <a:fld id="{F00BA27E-71B2-4CDB-AA19-F91EECC6A788}" type="datetimeFigureOut">
+            <a:fld id="{0F465E66-C93D-4C18-9401-28980BFAFA21}" type="datetimeFigureOut">
               <a:rPr lang="zh-CN" altLang="en-US" smtClean="0"/>
               <a:t>2024/3/10</a:t>
             </a:fld>
@@ -2915,7 +2915,7 @@
           <p:cNvPr id="5" name="页脚占位符 4">
             <a:extLst>
               <a:ext uri="{FF2B5EF4-FFF2-40B4-BE49-F238E27FC236}">
-                <a16:creationId xmlns:a16="http://schemas.microsoft.com/office/drawing/2014/main" id="{322F2FF1-F3B8-815F-9106-351C2EEE5DE5}"/>
+                <a16:creationId xmlns:a16="http://schemas.microsoft.com/office/drawing/2014/main" id="{8E8243B2-767F-8041-7EB8-A2F1FF6F1F59}"/>
               </a:ext>
             </a:extLst>
           </p:cNvPr>
@@ -2958,7 +2958,7 @@
           <p:cNvPr id="6" name="灯片编号占位符 5">
             <a:extLst>
               <a:ext uri="{FF2B5EF4-FFF2-40B4-BE49-F238E27FC236}">
-                <a16:creationId xmlns:a16="http://schemas.microsoft.com/office/drawing/2014/main" id="{8C2633D6-A16F-8191-B87F-965141B37B57}"/>
+                <a16:creationId xmlns:a16="http://schemas.microsoft.com/office/drawing/2014/main" id="{3E7BC41B-A5B0-F21A-5974-2697403A7140}"/>
               </a:ext>
             </a:extLst>
           </p:cNvPr>
@@ -2992,7 +2992,7 @@
             </a:lvl1pPr>
           </a:lstStyle>
           <a:p>
-            <a:fld id="{A7B887B9-9FD2-426E-A50C-E263711BE1EC}" type="slidenum">
+            <a:fld id="{AE7467CF-0D85-42B7-9B30-C3DDB06A560C}" type="slidenum">
               <a:rPr lang="zh-CN" altLang="en-US" smtClean="0"/>
               <a:t>‹#›</a:t>
             </a:fld>
@@ -3003,7 +3003,7 @@
     </p:spTree>
     <p:extLst>
       <p:ext uri="{BB962C8B-B14F-4D97-AF65-F5344CB8AC3E}">
-        <p14:creationId xmlns:p14="http://schemas.microsoft.com/office/powerpoint/2010/main" val="3700219082"/>
+        <p14:creationId xmlns:p14="http://schemas.microsoft.com/office/powerpoint/2010/main" val="906335781"/>
       </p:ext>
     </p:extLst>
   </p:cSld>
